--- a/2017_APACHECON_US/ConSchedAndSbSChangeCloud.pptx
+++ b/2017_APACHECON_US/ConSchedAndSbSChangeCloud.pptx
@@ -10562,7 +10562,15 @@
           <a:p>
             <a:r>
               <a:rPr lang="en-US" dirty="0" smtClean="0"/>
-              <a:t>Let’s create a Software-Defined Storage Framework</a:t>
+              <a:t>Let’s create a </a:t>
+            </a:r>
+            <a:r>
+              <a:rPr lang="en-US" dirty="0" smtClean="0"/>
+              <a:t>Software-based Storage </a:t>
+            </a:r>
+            <a:r>
+              <a:rPr lang="en-US" dirty="0" smtClean="0"/>
+              <a:t>Framework</a:t>
             </a:r>
           </a:p>
           <a:p>
@@ -11265,15 +11273,7 @@
           <a:p>
             <a:r>
               <a:rPr lang="en-US" dirty="0" smtClean="0"/>
-              <a:t>Review of </a:t>
-            </a:r>
-            <a:r>
-              <a:rPr lang="en-US" dirty="0" smtClean="0"/>
-              <a:t>Software-based </a:t>
-            </a:r>
-            <a:r>
-              <a:rPr lang="en-US" dirty="0" smtClean="0"/>
-              <a:t>Storage</a:t>
+              <a:t>Review of Software-based Storage</a:t>
             </a:r>
           </a:p>
           <a:p>
@@ -11289,15 +11289,7 @@
             </a:r>
             <a:r>
               <a:rPr lang="en-US" dirty="0" smtClean="0"/>
-              <a:t>+ </a:t>
-            </a:r>
-            <a:r>
-              <a:rPr lang="en-US" dirty="0" smtClean="0"/>
-              <a:t>Software-based </a:t>
-            </a:r>
-            <a:r>
-              <a:rPr lang="en-US" dirty="0" smtClean="0"/>
-              <a:t>Storage = Awesome!</a:t>
+              <a:t>+ Software-based Storage = Awesome!</a:t>
             </a:r>
           </a:p>
           <a:p>

--- a/2017_APACHECON_US/ConSchedAndSbSChangeCloud.pptx
+++ b/2017_APACHECON_US/ConSchedAndSbSChangeCloud.pptx
@@ -910,25 +910,73 @@
           <a:p>
             <a:r>
               <a:rPr lang="en-US" dirty="0" smtClean="0"/>
-              <a:t>Had</a:t>
+              <a:t>If</a:t>
             </a:r>
             <a:r>
               <a:rPr lang="en-US" baseline="0" dirty="0" smtClean="0"/>
-              <a:t> this idea of creating a Software Defined Storage Mesos Framework.</a:t>
+              <a:t> we zoom into the offer/accept mechanism, we start with</a:t>
             </a:r>
           </a:p>
           <a:p>
             <a:r>
               <a:rPr lang="en-US" baseline="0" dirty="0" smtClean="0"/>
-              <a:t>This Framework would manage the lifecycle of </a:t>
-            </a:r>
-            <a:r>
-              <a:rPr lang="en-US" baseline="0" smtClean="0"/>
-              <a:t>this Software-based Storage </a:t>
+              <a:t>#1 </a:t>
+            </a:r>
+            <a:r>
+              <a:rPr lang="mr-IN" baseline="0" dirty="0" smtClean="0"/>
+              <a:t>–</a:t>
             </a:r>
             <a:r>
               <a:rPr lang="en-US" baseline="0" dirty="0" smtClean="0"/>
-              <a:t>platform.</a:t>
+              <a:t> the compute node offering up resource. Mesos master = control plane!</a:t>
+            </a:r>
+          </a:p>
+          <a:p>
+            <a:r>
+              <a:rPr lang="en-US" baseline="0" dirty="0" smtClean="0"/>
+              <a:t>#2 - the Framework accepting those resources</a:t>
+            </a:r>
+          </a:p>
+          <a:p>
+            <a:r>
+              <a:rPr lang="en-US" baseline="0" dirty="0" smtClean="0"/>
+              <a:t>#3 </a:t>
+            </a:r>
+            <a:r>
+              <a:rPr lang="mr-IN" baseline="0" dirty="0" smtClean="0"/>
+              <a:t>–</a:t>
+            </a:r>
+            <a:r>
+              <a:rPr lang="en-US" baseline="0" dirty="0" smtClean="0"/>
+              <a:t> the scheduler then </a:t>
+            </a:r>
+            <a:r>
+              <a:rPr lang="en-US" baseline="0" dirty="0" err="1" smtClean="0"/>
+              <a:t>comsumes</a:t>
+            </a:r>
+            <a:r>
+              <a:rPr lang="en-US" baseline="0" dirty="0" smtClean="0"/>
+              <a:t> some resource and launches N-tasks</a:t>
+            </a:r>
+          </a:p>
+          <a:p>
+            <a:r>
+              <a:rPr lang="en-US" baseline="0" dirty="0" smtClean="0"/>
+              <a:t>#4 </a:t>
+            </a:r>
+            <a:r>
+              <a:rPr lang="mr-IN" baseline="0" dirty="0" smtClean="0"/>
+              <a:t>–</a:t>
+            </a:r>
+            <a:r>
+              <a:rPr lang="en-US" baseline="0" dirty="0" smtClean="0"/>
+              <a:t> the executor and tasks get placed on one of the compute nodes.</a:t>
+            </a:r>
+          </a:p>
+          <a:p>
+            <a:r>
+              <a:rPr lang="en-US" baseline="0" dirty="0" smtClean="0"/>
+              <a:t>So we will see this exact process happening behind the scenes in the demo.</a:t>
             </a:r>
             <a:endParaRPr lang="en-US" dirty="0"/>
           </a:p>
@@ -957,7 +1005,7 @@
               <a:pPr>
                 <a:defRPr/>
               </a:pPr>
-              <a:t>17</a:t>
+              <a:t>15</a:t>
             </a:fld>
             <a:endParaRPr lang="en-US" dirty="0"/>
           </a:p>
@@ -966,7 +1014,7 @@
     </p:spTree>
     <p:extLst>
       <p:ext uri="{BB962C8B-B14F-4D97-AF65-F5344CB8AC3E}">
-        <p14:creationId xmlns:p14="http://schemas.microsoft.com/office/powerpoint/2010/main" val="1876677596"/>
+        <p14:creationId xmlns:p14="http://schemas.microsoft.com/office/powerpoint/2010/main" val="1326502931"/>
       </p:ext>
     </p:extLst>
   </p:cSld>
@@ -1020,28 +1068,6 @@
           <a:bodyPr/>
           <a:lstStyle/>
           <a:p>
-            <a:r>
-              <a:rPr lang="en-US" dirty="0" smtClean="0"/>
-              <a:t>Not</a:t>
-            </a:r>
-            <a:r>
-              <a:rPr lang="en-US" baseline="0" dirty="0" smtClean="0"/>
-              <a:t> only is ScaleIO a Software Defined Storage platform, but it’s also a Software-based Storage platform.</a:t>
-            </a:r>
-          </a:p>
-          <a:p>
-            <a:r>
-              <a:rPr lang="en-US" baseline="0" dirty="0" smtClean="0"/>
-              <a:t>Meaning you can install this anywhere. On Linux, Windows, Virtualized environment like </a:t>
-            </a:r>
-            <a:r>
-              <a:rPr lang="en-US" baseline="0" dirty="0" err="1" smtClean="0"/>
-              <a:t>Vmware</a:t>
-            </a:r>
-            <a:r>
-              <a:rPr lang="en-US" baseline="0" dirty="0" smtClean="0"/>
-              <a:t>, in the Cloud.</a:t>
-            </a:r>
             <a:endParaRPr lang="en-US" dirty="0"/>
           </a:p>
         </p:txBody>
@@ -1069,7 +1095,7 @@
               <a:pPr>
                 <a:defRPr/>
               </a:pPr>
-              <a:t>18</a:t>
+              <a:t>16</a:t>
             </a:fld>
             <a:endParaRPr lang="en-US" dirty="0"/>
           </a:p>
@@ -1078,7 +1104,7 @@
     </p:spTree>
     <p:extLst>
       <p:ext uri="{BB962C8B-B14F-4D97-AF65-F5344CB8AC3E}">
-        <p14:creationId xmlns:p14="http://schemas.microsoft.com/office/powerpoint/2010/main" val="1662398474"/>
+        <p14:creationId xmlns:p14="http://schemas.microsoft.com/office/powerpoint/2010/main" val="546592477"/>
       </p:ext>
     </p:extLst>
   </p:cSld>
@@ -1134,47 +1160,25 @@
           <a:p>
             <a:r>
               <a:rPr lang="en-US" dirty="0" smtClean="0"/>
-              <a:t>Globally</a:t>
+              <a:t>Had</a:t>
             </a:r>
             <a:r>
               <a:rPr lang="en-US" baseline="0" dirty="0" smtClean="0"/>
-              <a:t> accessible </a:t>
-            </a:r>
-            <a:r>
-              <a:rPr lang="mr-IN" baseline="0" dirty="0" smtClean="0"/>
-              <a:t>–</a:t>
+              <a:t> this idea of creating a </a:t>
             </a:r>
             <a:r>
               <a:rPr lang="en-US" baseline="0" dirty="0" smtClean="0"/>
-              <a:t> provision a ScaleIO volume that can be accessed anywhere in the Mesos Cluster</a:t>
-            </a:r>
-          </a:p>
-          <a:p>
+              <a:t>Software-based Storage </a:t>
+            </a:r>
             <a:r>
               <a:rPr lang="en-US" baseline="0" dirty="0" smtClean="0"/>
-              <a:t>Reduce complexity </a:t>
-            </a:r>
-            <a:r>
-              <a:rPr lang="mr-IN" baseline="0" dirty="0" smtClean="0"/>
-              <a:t>–</a:t>
-            </a:r>
+              <a:t>Mesos Framework.</a:t>
+            </a:r>
+          </a:p>
+          <a:p>
             <a:r>
               <a:rPr lang="en-US" baseline="0" dirty="0" smtClean="0"/>
-              <a:t> because the ScaleIO manages maintenance operations. Rebalancing due to a node failure.</a:t>
-            </a:r>
-          </a:p>
-          <a:p>
-            <a:r>
-              <a:rPr lang="en-US" baseline="0" dirty="0" smtClean="0"/>
-              <a:t>Deploy Anywhere </a:t>
-            </a:r>
-            <a:r>
-              <a:rPr lang="mr-IN" baseline="0" dirty="0" smtClean="0"/>
-              <a:t>–</a:t>
-            </a:r>
-            <a:r>
-              <a:rPr lang="en-US" baseline="0" dirty="0" smtClean="0"/>
-              <a:t> because this is a Software-based Storage platform and its just simple RPMs or DEB. You can install this anywhere!</a:t>
+              <a:t>This Framework would manage the lifecycle of this Software-based Storage platform.</a:t>
             </a:r>
             <a:endParaRPr lang="en-US" dirty="0"/>
           </a:p>
@@ -1203,7 +1207,7 @@
               <a:pPr>
                 <a:defRPr/>
               </a:pPr>
-              <a:t>19</a:t>
+              <a:t>17</a:t>
             </a:fld>
             <a:endParaRPr lang="en-US" dirty="0"/>
           </a:p>
@@ -1212,7 +1216,7 @@
     </p:spTree>
     <p:extLst>
       <p:ext uri="{BB962C8B-B14F-4D97-AF65-F5344CB8AC3E}">
-        <p14:creationId xmlns:p14="http://schemas.microsoft.com/office/powerpoint/2010/main" val="1598682365"/>
+        <p14:creationId xmlns:p14="http://schemas.microsoft.com/office/powerpoint/2010/main" val="1876677596"/>
       </p:ext>
     </p:extLst>
   </p:cSld>
@@ -1268,21 +1272,25 @@
           <a:p>
             <a:r>
               <a:rPr lang="en-US" dirty="0" smtClean="0"/>
-              <a:t>Why is this important? Why do we care that we can deploy this anywhere?</a:t>
-            </a:r>
-          </a:p>
-          <a:p>
-            <a:r>
-              <a:rPr lang="en-US" dirty="0" smtClean="0"/>
-              <a:t>It</a:t>
+              <a:t>Not</a:t>
             </a:r>
             <a:r>
               <a:rPr lang="en-US" baseline="0" dirty="0" smtClean="0"/>
-              <a:t> turns out that</a:t>
-            </a:r>
-            <a:r>
-              <a:rPr lang="mr-IN" baseline="0" dirty="0" smtClean="0"/>
-              <a:t>…</a:t>
+              <a:t> only is ScaleIO a Software Defined Storage platform, but it’s also a Software-based Storage platform.</a:t>
+            </a:r>
+          </a:p>
+          <a:p>
+            <a:r>
+              <a:rPr lang="en-US" baseline="0" dirty="0" smtClean="0"/>
+              <a:t>Meaning you can install this anywhere. On Linux, Windows, Virtualized environment like </a:t>
+            </a:r>
+            <a:r>
+              <a:rPr lang="en-US" baseline="0" dirty="0" err="1" smtClean="0"/>
+              <a:t>Vmware</a:t>
+            </a:r>
+            <a:r>
+              <a:rPr lang="en-US" baseline="0" dirty="0" smtClean="0"/>
+              <a:t>, in the Cloud.</a:t>
             </a:r>
             <a:endParaRPr lang="en-US" dirty="0"/>
           </a:p>
@@ -1311,7 +1319,7 @@
               <a:pPr>
                 <a:defRPr/>
               </a:pPr>
-              <a:t>20</a:t>
+              <a:t>18</a:t>
             </a:fld>
             <a:endParaRPr lang="en-US" dirty="0"/>
           </a:p>
@@ -1320,7 +1328,7 @@
     </p:spTree>
     <p:extLst>
       <p:ext uri="{BB962C8B-B14F-4D97-AF65-F5344CB8AC3E}">
-        <p14:creationId xmlns:p14="http://schemas.microsoft.com/office/powerpoint/2010/main" val="867139352"/>
+        <p14:creationId xmlns:p14="http://schemas.microsoft.com/office/powerpoint/2010/main" val="1662398474"/>
       </p:ext>
     </p:extLst>
   </p:cSld>
@@ -1376,11 +1384,47 @@
           <a:p>
             <a:r>
               <a:rPr lang="en-US" dirty="0" smtClean="0"/>
-              <a:t>External Storage!</a:t>
+              <a:t>Globally</a:t>
             </a:r>
             <a:r>
               <a:rPr lang="en-US" baseline="0" dirty="0" smtClean="0"/>
-              <a:t> This is where ScaleIO comes in.</a:t>
+              <a:t> accessible </a:t>
+            </a:r>
+            <a:r>
+              <a:rPr lang="mr-IN" baseline="0" dirty="0" smtClean="0"/>
+              <a:t>–</a:t>
+            </a:r>
+            <a:r>
+              <a:rPr lang="en-US" baseline="0" dirty="0" smtClean="0"/>
+              <a:t> provision a ScaleIO volume that can be accessed anywhere in the Mesos Cluster</a:t>
+            </a:r>
+          </a:p>
+          <a:p>
+            <a:r>
+              <a:rPr lang="en-US" baseline="0" dirty="0" smtClean="0"/>
+              <a:t>Reduce complexity </a:t>
+            </a:r>
+            <a:r>
+              <a:rPr lang="mr-IN" baseline="0" dirty="0" smtClean="0"/>
+              <a:t>–</a:t>
+            </a:r>
+            <a:r>
+              <a:rPr lang="en-US" baseline="0" dirty="0" smtClean="0"/>
+              <a:t> because the ScaleIO manages maintenance operations. Rebalancing due to a node failure.</a:t>
+            </a:r>
+          </a:p>
+          <a:p>
+            <a:r>
+              <a:rPr lang="en-US" baseline="0" dirty="0" smtClean="0"/>
+              <a:t>Deploy Anywhere </a:t>
+            </a:r>
+            <a:r>
+              <a:rPr lang="mr-IN" baseline="0" dirty="0" smtClean="0"/>
+              <a:t>–</a:t>
+            </a:r>
+            <a:r>
+              <a:rPr lang="en-US" baseline="0" dirty="0" smtClean="0"/>
+              <a:t> because this is a Software-based Storage platform and its just simple RPMs or DEB. You can install this anywhere!</a:t>
             </a:r>
             <a:endParaRPr lang="en-US" dirty="0"/>
           </a:p>
@@ -1409,7 +1453,7 @@
               <a:pPr>
                 <a:defRPr/>
               </a:pPr>
-              <a:t>21</a:t>
+              <a:t>19</a:t>
             </a:fld>
             <a:endParaRPr lang="en-US" dirty="0"/>
           </a:p>
@@ -1418,7 +1462,7 @@
     </p:spTree>
     <p:extLst>
       <p:ext uri="{BB962C8B-B14F-4D97-AF65-F5344CB8AC3E}">
-        <p14:creationId xmlns:p14="http://schemas.microsoft.com/office/powerpoint/2010/main" val="292005445"/>
+        <p14:creationId xmlns:p14="http://schemas.microsoft.com/office/powerpoint/2010/main" val="1598682365"/>
       </p:ext>
     </p:extLst>
   </p:cSld>
@@ -1474,29 +1518,21 @@
           <a:p>
             <a:r>
               <a:rPr lang="en-US" dirty="0" smtClean="0"/>
-              <a:t>This Framework also leverages a number of open</a:t>
+              <a:t>Why is this important? Why do we care that we can deploy this anywhere?</a:t>
+            </a:r>
+          </a:p>
+          <a:p>
+            <a:r>
+              <a:rPr lang="en-US" dirty="0" smtClean="0"/>
+              <a:t>It</a:t>
             </a:r>
             <a:r>
               <a:rPr lang="en-US" baseline="0" dirty="0" smtClean="0"/>
-              <a:t> source projects that provides the glue between the containers and ScaleIO.</a:t>
-            </a:r>
-          </a:p>
-          <a:p>
-            <a:r>
-              <a:rPr lang="en-US" baseline="0" dirty="0" smtClean="0"/>
-              <a:t>ScaleIO on its own is just a storage platform. Schedulers need to provision storage for their container workloads and they do that using REX-Ray and </a:t>
-            </a:r>
-            <a:r>
-              <a:rPr lang="en-US" baseline="0" dirty="0" err="1" smtClean="0"/>
-              <a:t>mesos</a:t>
-            </a:r>
-            <a:r>
-              <a:rPr lang="en-US" baseline="0" dirty="0" smtClean="0"/>
-              <a:t>-module-</a:t>
-            </a:r>
-            <a:r>
-              <a:rPr lang="en-US" baseline="0" dirty="0" err="1" smtClean="0"/>
-              <a:t>dvdi</a:t>
+              <a:t> turns out that</a:t>
+            </a:r>
+            <a:r>
+              <a:rPr lang="mr-IN" baseline="0" dirty="0" smtClean="0"/>
+              <a:t>…</a:t>
             </a:r>
             <a:endParaRPr lang="en-US" dirty="0"/>
           </a:p>
@@ -1525,7 +1561,7 @@
               <a:pPr>
                 <a:defRPr/>
               </a:pPr>
-              <a:t>22</a:t>
+              <a:t>20</a:t>
             </a:fld>
             <a:endParaRPr lang="en-US" dirty="0"/>
           </a:p>
@@ -1534,7 +1570,7 @@
     </p:spTree>
     <p:extLst>
       <p:ext uri="{BB962C8B-B14F-4D97-AF65-F5344CB8AC3E}">
-        <p14:creationId xmlns:p14="http://schemas.microsoft.com/office/powerpoint/2010/main" val="299537302"/>
+        <p14:creationId xmlns:p14="http://schemas.microsoft.com/office/powerpoint/2010/main" val="867139352"/>
       </p:ext>
     </p:extLst>
   </p:cSld>
@@ -1590,30 +1626,13 @@
           <a:p>
             <a:r>
               <a:rPr lang="en-US" dirty="0" smtClean="0"/>
-              <a:t>Combined all these</a:t>
+              <a:t>External Storage!</a:t>
             </a:r>
             <a:r>
               <a:rPr lang="en-US" baseline="0" dirty="0" smtClean="0"/>
-              <a:t> technologies what does this</a:t>
-            </a:r>
-            <a:r>
-              <a:rPr lang="mr-IN" baseline="0" smtClean="0"/>
-              <a:t>…</a:t>
-            </a:r>
-            <a:endParaRPr lang="en-US" smtClean="0"/>
-          </a:p>
-          <a:p>
-            <a:endParaRPr lang="en-US" dirty="0" smtClean="0"/>
-          </a:p>
-          <a:p>
-            <a:r>
-              <a:rPr lang="en-US" dirty="0" smtClean="0"/>
-              <a:t>Insulates changes -</a:t>
-            </a:r>
-            <a:r>
-              <a:rPr lang="en-US" baseline="0" dirty="0" smtClean="0"/>
-              <a:t> meaning that since you have a Framework managing this Software-based Storage platform, it deals with interfacing with the container scheduler and the storage platform. NOT THE USER!</a:t>
-            </a:r>
+              <a:t> This is where ScaleIO comes in.</a:t>
+            </a:r>
+            <a:endParaRPr lang="en-US" dirty="0"/>
           </a:p>
         </p:txBody>
       </p:sp>
@@ -1640,7 +1659,7 @@
               <a:pPr>
                 <a:defRPr/>
               </a:pPr>
-              <a:t>23</a:t>
+              <a:t>21</a:t>
             </a:fld>
             <a:endParaRPr lang="en-US" dirty="0"/>
           </a:p>
@@ -1649,7 +1668,7 @@
     </p:spTree>
     <p:extLst>
       <p:ext uri="{BB962C8B-B14F-4D97-AF65-F5344CB8AC3E}">
-        <p14:creationId xmlns:p14="http://schemas.microsoft.com/office/powerpoint/2010/main" val="922344881"/>
+        <p14:creationId xmlns:p14="http://schemas.microsoft.com/office/powerpoint/2010/main" val="292005445"/>
       </p:ext>
     </p:extLst>
   </p:cSld>
@@ -1705,19 +1724,29 @@
           <a:p>
             <a:r>
               <a:rPr lang="en-US" dirty="0" smtClean="0"/>
-              <a:t>Now</a:t>
+              <a:t>This Framework also leverages a number of open</a:t>
             </a:r>
             <a:r>
               <a:rPr lang="en-US" baseline="0" dirty="0" smtClean="0"/>
-              <a:t> we are getting to the crux of the talk here</a:t>
-            </a:r>
-            <a:r>
-              <a:rPr lang="mr-IN" baseline="0" dirty="0" smtClean="0"/>
-              <a:t>…</a:t>
-            </a:r>
+              <a:t> source projects that provides the glue between the containers and ScaleIO.</a:t>
+            </a:r>
+          </a:p>
+          <a:p>
             <a:r>
               <a:rPr lang="en-US" baseline="0" dirty="0" smtClean="0"/>
-              <a:t> what if we take this all into the cloud.</a:t>
+              <a:t>ScaleIO on its own is just a storage platform. Schedulers need to provision storage for their container workloads and they do that using REX-Ray and </a:t>
+            </a:r>
+            <a:r>
+              <a:rPr lang="en-US" baseline="0" dirty="0" err="1" smtClean="0"/>
+              <a:t>mesos</a:t>
+            </a:r>
+            <a:r>
+              <a:rPr lang="en-US" baseline="0" dirty="0" smtClean="0"/>
+              <a:t>-module-</a:t>
+            </a:r>
+            <a:r>
+              <a:rPr lang="en-US" baseline="0" dirty="0" err="1" smtClean="0"/>
+              <a:t>dvdi</a:t>
             </a:r>
             <a:endParaRPr lang="en-US" dirty="0"/>
           </a:p>
@@ -1746,7 +1775,7 @@
               <a:pPr>
                 <a:defRPr/>
               </a:pPr>
-              <a:t>24</a:t>
+              <a:t>22</a:t>
             </a:fld>
             <a:endParaRPr lang="en-US" dirty="0"/>
           </a:p>
@@ -1755,7 +1784,7 @@
     </p:spTree>
     <p:extLst>
       <p:ext uri="{BB962C8B-B14F-4D97-AF65-F5344CB8AC3E}">
-        <p14:creationId xmlns:p14="http://schemas.microsoft.com/office/powerpoint/2010/main" val="507947043"/>
+        <p14:creationId xmlns:p14="http://schemas.microsoft.com/office/powerpoint/2010/main" val="299537302"/>
       </p:ext>
     </p:extLst>
   </p:cSld>
@@ -1811,27 +1840,30 @@
           <a:p>
             <a:r>
               <a:rPr lang="en-US" dirty="0" smtClean="0"/>
-              <a:t>Applications</a:t>
+              <a:t>Combined all these</a:t>
             </a:r>
             <a:r>
               <a:rPr lang="en-US" baseline="0" dirty="0" smtClean="0"/>
-              <a:t> born in the cloud, </a:t>
-            </a:r>
-            <a:r>
-              <a:rPr lang="en-US" dirty="0" smtClean="0"/>
-              <a:t>Applications providing APIs, Cloud providing APIs</a:t>
-            </a:r>
-          </a:p>
-          <a:p>
-            <a:r>
-              <a:rPr lang="en-US" dirty="0" smtClean="0"/>
-              <a:t>What does that mean if</a:t>
+              <a:t> technologies what does this</a:t>
+            </a:r>
+            <a:r>
+              <a:rPr lang="mr-IN" baseline="0" smtClean="0"/>
+              <a:t>…</a:t>
+            </a:r>
+            <a:endParaRPr lang="en-US" smtClean="0"/>
+          </a:p>
+          <a:p>
+            <a:endParaRPr lang="en-US" dirty="0" smtClean="0"/>
+          </a:p>
+          <a:p>
+            <a:r>
+              <a:rPr lang="en-US" dirty="0" smtClean="0"/>
+              <a:t>Insulates changes -</a:t>
             </a:r>
             <a:r>
               <a:rPr lang="en-US" baseline="0" dirty="0" smtClean="0"/>
-              <a:t> we wanted to take this Mesos Framework into the Cloud?</a:t>
-            </a:r>
-            <a:endParaRPr lang="en-US" dirty="0"/>
+              <a:t> meaning that since you have a Framework managing this Software-based Storage platform, it deals with interfacing with the container scheduler and the storage platform. NOT THE USER!</a:t>
+            </a:r>
           </a:p>
         </p:txBody>
       </p:sp>
@@ -1858,7 +1890,7 @@
               <a:pPr>
                 <a:defRPr/>
               </a:pPr>
-              <a:t>25</a:t>
+              <a:t>23</a:t>
             </a:fld>
             <a:endParaRPr lang="en-US" dirty="0"/>
           </a:p>
@@ -1867,7 +1899,7 @@
     </p:spTree>
     <p:extLst>
       <p:ext uri="{BB962C8B-B14F-4D97-AF65-F5344CB8AC3E}">
-        <p14:creationId xmlns:p14="http://schemas.microsoft.com/office/powerpoint/2010/main" val="858503888"/>
+        <p14:creationId xmlns:p14="http://schemas.microsoft.com/office/powerpoint/2010/main" val="922344881"/>
       </p:ext>
     </p:extLst>
   </p:cSld>
@@ -1922,16 +1954,20 @@
           <a:lstStyle/>
           <a:p>
             <a:r>
-              <a:rPr lang="en-US" smtClean="0"/>
-              <a:t>RECAP: So </a:t>
-            </a:r>
-            <a:r>
-              <a:rPr lang="en-US" dirty="0" smtClean="0"/>
-              <a:t>what</a:t>
+              <a:rPr lang="en-US" dirty="0" smtClean="0"/>
+              <a:t>Now</a:t>
             </a:r>
             <a:r>
               <a:rPr lang="en-US" baseline="0" dirty="0" smtClean="0"/>
-              <a:t> I am saying is that applications can start fixing themselves?</a:t>
+              <a:t> we are getting to the crux of the talk here</a:t>
+            </a:r>
+            <a:r>
+              <a:rPr lang="mr-IN" baseline="0" dirty="0" smtClean="0"/>
+              <a:t>…</a:t>
+            </a:r>
+            <a:r>
+              <a:rPr lang="en-US" baseline="0" dirty="0" smtClean="0"/>
+              <a:t> what if we take this all into the cloud.</a:t>
             </a:r>
             <a:endParaRPr lang="en-US" dirty="0"/>
           </a:p>
@@ -1960,7 +1996,7 @@
               <a:pPr>
                 <a:defRPr/>
               </a:pPr>
-              <a:t>26</a:t>
+              <a:t>24</a:t>
             </a:fld>
             <a:endParaRPr lang="en-US" dirty="0"/>
           </a:p>
@@ -1969,7 +2005,7 @@
     </p:spTree>
     <p:extLst>
       <p:ext uri="{BB962C8B-B14F-4D97-AF65-F5344CB8AC3E}">
-        <p14:creationId xmlns:p14="http://schemas.microsoft.com/office/powerpoint/2010/main" val="2166794861"/>
+        <p14:creationId xmlns:p14="http://schemas.microsoft.com/office/powerpoint/2010/main" val="507947043"/>
       </p:ext>
     </p:extLst>
   </p:cSld>
@@ -2050,7 +2086,7 @@
               <a:pPr>
                 <a:defRPr/>
               </a:pPr>
-              <a:t>7</a:t>
+              <a:t>4</a:t>
             </a:fld>
             <a:endParaRPr lang="en-US" dirty="0"/>
           </a:p>
@@ -2059,7 +2095,7 @@
     </p:spTree>
     <p:extLst>
       <p:ext uri="{BB962C8B-B14F-4D97-AF65-F5344CB8AC3E}">
-        <p14:creationId xmlns:p14="http://schemas.microsoft.com/office/powerpoint/2010/main" val="583514331"/>
+        <p14:creationId xmlns:p14="http://schemas.microsoft.com/office/powerpoint/2010/main" val="1615809165"/>
       </p:ext>
     </p:extLst>
   </p:cSld>
@@ -2115,15 +2151,25 @@
           <a:p>
             <a:r>
               <a:rPr lang="en-US" dirty="0" smtClean="0"/>
-              <a:t>Everything to make this happen is available</a:t>
+              <a:t>Applications</a:t>
             </a:r>
             <a:r>
               <a:rPr lang="en-US" baseline="0" dirty="0" smtClean="0"/>
-              <a:t> using</a:t>
-            </a:r>
-            <a:r>
-              <a:rPr lang="mr-IN" baseline="0" dirty="0" smtClean="0"/>
-              <a:t>…</a:t>
+              <a:t> born in the cloud, </a:t>
+            </a:r>
+            <a:r>
+              <a:rPr lang="en-US" dirty="0" smtClean="0"/>
+              <a:t>Applications providing APIs, Cloud providing APIs</a:t>
+            </a:r>
+          </a:p>
+          <a:p>
+            <a:r>
+              <a:rPr lang="en-US" dirty="0" smtClean="0"/>
+              <a:t>What does that mean if</a:t>
+            </a:r>
+            <a:r>
+              <a:rPr lang="en-US" baseline="0" dirty="0" smtClean="0"/>
+              <a:t> we wanted to take this Mesos Framework into the Cloud?</a:t>
             </a:r>
             <a:endParaRPr lang="en-US" dirty="0"/>
           </a:p>
@@ -2152,6 +2198,210 @@
               <a:pPr>
                 <a:defRPr/>
               </a:pPr>
+              <a:t>25</a:t>
+            </a:fld>
+            <a:endParaRPr lang="en-US" dirty="0"/>
+          </a:p>
+        </p:txBody>
+      </p:sp>
+    </p:spTree>
+    <p:extLst>
+      <p:ext uri="{BB962C8B-B14F-4D97-AF65-F5344CB8AC3E}">
+        <p14:creationId xmlns:p14="http://schemas.microsoft.com/office/powerpoint/2010/main" val="858503888"/>
+      </p:ext>
+    </p:extLst>
+  </p:cSld>
+  <p:clrMapOvr>
+    <a:masterClrMapping/>
+  </p:clrMapOvr>
+</p:notes>
+</file>
+
+<file path=ppt/notesSlides/notesSlide21.xml><?xml version="1.0" encoding="utf-8"?>
+<p:notes xmlns:a="http://schemas.openxmlformats.org/drawingml/2006/main" xmlns:r="http://schemas.openxmlformats.org/officeDocument/2006/relationships" xmlns:p="http://schemas.openxmlformats.org/presentationml/2006/main">
+  <p:cSld>
+    <p:spTree>
+      <p:nvGrpSpPr>
+        <p:cNvPr id="1" name=""/>
+        <p:cNvGrpSpPr/>
+        <p:nvPr/>
+      </p:nvGrpSpPr>
+      <p:grpSpPr>
+        <a:xfrm>
+          <a:off x="0" y="0"/>
+          <a:ext cx="0" cy="0"/>
+          <a:chOff x="0" y="0"/>
+          <a:chExt cx="0" cy="0"/>
+        </a:xfrm>
+      </p:grpSpPr>
+      <p:sp>
+        <p:nvSpPr>
+          <p:cNvPr id="2" name="Slide Image Placeholder 1"/>
+          <p:cNvSpPr>
+            <a:spLocks noGrp="1" noRot="1" noChangeAspect="1"/>
+          </p:cNvSpPr>
+          <p:nvPr>
+            <p:ph type="sldImg"/>
+          </p:nvPr>
+        </p:nvSpPr>
+        <p:spPr/>
+      </p:sp>
+      <p:sp>
+        <p:nvSpPr>
+          <p:cNvPr id="3" name="Notes Placeholder 2"/>
+          <p:cNvSpPr>
+            <a:spLocks noGrp="1"/>
+          </p:cNvSpPr>
+          <p:nvPr>
+            <p:ph type="body" idx="1"/>
+          </p:nvPr>
+        </p:nvSpPr>
+        <p:spPr/>
+        <p:txBody>
+          <a:bodyPr/>
+          <a:lstStyle/>
+          <a:p>
+            <a:r>
+              <a:rPr lang="en-US" smtClean="0"/>
+              <a:t>RECAP: So </a:t>
+            </a:r>
+            <a:r>
+              <a:rPr lang="en-US" dirty="0" smtClean="0"/>
+              <a:t>what</a:t>
+            </a:r>
+            <a:r>
+              <a:rPr lang="en-US" baseline="0" dirty="0" smtClean="0"/>
+              <a:t> I am saying is that applications can start fixing themselves?</a:t>
+            </a:r>
+            <a:endParaRPr lang="en-US" dirty="0"/>
+          </a:p>
+        </p:txBody>
+      </p:sp>
+      <p:sp>
+        <p:nvSpPr>
+          <p:cNvPr id="4" name="Slide Number Placeholder 3"/>
+          <p:cNvSpPr>
+            <a:spLocks noGrp="1"/>
+          </p:cNvSpPr>
+          <p:nvPr>
+            <p:ph type="sldNum" sz="quarter" idx="10"/>
+          </p:nvPr>
+        </p:nvSpPr>
+        <p:spPr/>
+        <p:txBody>
+          <a:bodyPr/>
+          <a:lstStyle/>
+          <a:p>
+            <a:pPr>
+              <a:defRPr/>
+            </a:pPr>
+            <a:fld id="{FA04BB6B-BEDE-48E4-970F-8DFC0D4B5AE7}" type="slidenum">
+              <a:rPr lang="en-US" smtClean="0"/>
+              <a:pPr>
+                <a:defRPr/>
+              </a:pPr>
+              <a:t>26</a:t>
+            </a:fld>
+            <a:endParaRPr lang="en-US" dirty="0"/>
+          </a:p>
+        </p:txBody>
+      </p:sp>
+    </p:spTree>
+    <p:extLst>
+      <p:ext uri="{BB962C8B-B14F-4D97-AF65-F5344CB8AC3E}">
+        <p14:creationId xmlns:p14="http://schemas.microsoft.com/office/powerpoint/2010/main" val="2166794861"/>
+      </p:ext>
+    </p:extLst>
+  </p:cSld>
+  <p:clrMapOvr>
+    <a:masterClrMapping/>
+  </p:clrMapOvr>
+</p:notes>
+</file>
+
+<file path=ppt/notesSlides/notesSlide22.xml><?xml version="1.0" encoding="utf-8"?>
+<p:notes xmlns:a="http://schemas.openxmlformats.org/drawingml/2006/main" xmlns:r="http://schemas.openxmlformats.org/officeDocument/2006/relationships" xmlns:p="http://schemas.openxmlformats.org/presentationml/2006/main">
+  <p:cSld>
+    <p:spTree>
+      <p:nvGrpSpPr>
+        <p:cNvPr id="1" name=""/>
+        <p:cNvGrpSpPr/>
+        <p:nvPr/>
+      </p:nvGrpSpPr>
+      <p:grpSpPr>
+        <a:xfrm>
+          <a:off x="0" y="0"/>
+          <a:ext cx="0" cy="0"/>
+          <a:chOff x="0" y="0"/>
+          <a:chExt cx="0" cy="0"/>
+        </a:xfrm>
+      </p:grpSpPr>
+      <p:sp>
+        <p:nvSpPr>
+          <p:cNvPr id="2" name="Slide Image Placeholder 1"/>
+          <p:cNvSpPr>
+            <a:spLocks noGrp="1" noRot="1" noChangeAspect="1"/>
+          </p:cNvSpPr>
+          <p:nvPr>
+            <p:ph type="sldImg"/>
+          </p:nvPr>
+        </p:nvSpPr>
+        <p:spPr/>
+      </p:sp>
+      <p:sp>
+        <p:nvSpPr>
+          <p:cNvPr id="3" name="Notes Placeholder 2"/>
+          <p:cNvSpPr>
+            <a:spLocks noGrp="1"/>
+          </p:cNvSpPr>
+          <p:nvPr>
+            <p:ph type="body" idx="1"/>
+          </p:nvPr>
+        </p:nvSpPr>
+        <p:spPr/>
+        <p:txBody>
+          <a:bodyPr/>
+          <a:lstStyle/>
+          <a:p>
+            <a:r>
+              <a:rPr lang="en-US" dirty="0" smtClean="0"/>
+              <a:t>Everything to make this happen is available</a:t>
+            </a:r>
+            <a:r>
+              <a:rPr lang="en-US" baseline="0" dirty="0" smtClean="0"/>
+              <a:t> using</a:t>
+            </a:r>
+            <a:r>
+              <a:rPr lang="mr-IN" baseline="0" dirty="0" smtClean="0"/>
+              <a:t>…</a:t>
+            </a:r>
+            <a:endParaRPr lang="en-US" dirty="0"/>
+          </a:p>
+        </p:txBody>
+      </p:sp>
+      <p:sp>
+        <p:nvSpPr>
+          <p:cNvPr id="4" name="Slide Number Placeholder 3"/>
+          <p:cNvSpPr>
+            <a:spLocks noGrp="1"/>
+          </p:cNvSpPr>
+          <p:nvPr>
+            <p:ph type="sldNum" sz="quarter" idx="10"/>
+          </p:nvPr>
+        </p:nvSpPr>
+        <p:spPr/>
+        <p:txBody>
+          <a:bodyPr/>
+          <a:lstStyle/>
+          <a:p>
+            <a:pPr>
+              <a:defRPr/>
+            </a:pPr>
+            <a:fld id="{FA04BB6B-BEDE-48E4-970F-8DFC0D4B5AE7}" type="slidenum">
+              <a:rPr lang="en-US" smtClean="0"/>
+              <a:pPr>
+                <a:defRPr/>
+              </a:pPr>
               <a:t>27</a:t>
             </a:fld>
             <a:endParaRPr lang="en-US" dirty="0"/>
@@ -2171,7 +2421,7 @@
 </p:notes>
 </file>
 
-<file path=ppt/notesSlides/notesSlide21.xml><?xml version="1.0" encoding="utf-8"?>
+<file path=ppt/notesSlides/notesSlide23.xml><?xml version="1.0" encoding="utf-8"?>
 <p:notes xmlns:a="http://schemas.openxmlformats.org/drawingml/2006/main" xmlns:r="http://schemas.openxmlformats.org/officeDocument/2006/relationships" xmlns:p="http://schemas.openxmlformats.org/presentationml/2006/main">
   <p:cSld>
     <p:spTree>
@@ -2337,14 +2587,6 @@
           <a:bodyPr/>
           <a:lstStyle/>
           <a:p>
-            <a:r>
-              <a:rPr lang="en-US" dirty="0" smtClean="0"/>
-              <a:t>Other forms of Software Defined Storage may need a physical appliance</a:t>
-            </a:r>
-            <a:r>
-              <a:rPr lang="en-US" baseline="0" dirty="0" smtClean="0"/>
-              <a:t> or require some purpose built hardware. NFS and VSAN do not. I am going to touch on this a little more later.</a:t>
-            </a:r>
             <a:endParaRPr lang="en-US" dirty="0"/>
           </a:p>
         </p:txBody>
@@ -2372,7 +2614,7 @@
               <a:pPr>
                 <a:defRPr/>
               </a:pPr>
-              <a:t>8</a:t>
+              <a:t>7</a:t>
             </a:fld>
             <a:endParaRPr lang="en-US" dirty="0"/>
           </a:p>
@@ -2381,7 +2623,7 @@
     </p:spTree>
     <p:extLst>
       <p:ext uri="{BB962C8B-B14F-4D97-AF65-F5344CB8AC3E}">
-        <p14:creationId xmlns:p14="http://schemas.microsoft.com/office/powerpoint/2010/main" val="1715028915"/>
+        <p14:creationId xmlns:p14="http://schemas.microsoft.com/office/powerpoint/2010/main" val="583514331"/>
       </p:ext>
     </p:extLst>
   </p:cSld>
@@ -2435,94 +2677,31 @@
           <a:bodyPr/>
           <a:lstStyle/>
           <a:p>
-            <a:pPr marL="0" marR="0" indent="0" algn="l" defTabSz="914400" rtl="0" eaLnBrk="0" fontAlgn="base" latinLnBrk="0" hangingPunct="0">
-              <a:lnSpc>
-                <a:spcPct val="100000"/>
-              </a:lnSpc>
-              <a:spcBef>
-                <a:spcPct val="30000"/>
-              </a:spcBef>
-              <a:spcAft>
-                <a:spcPct val="0"/>
-              </a:spcAft>
-              <a:buClrTx/>
-              <a:buSzTx/>
-              <a:buFontTx/>
-              <a:buNone/>
-              <a:tabLst/>
-              <a:defRPr/>
-            </a:pPr>
-            <a:r>
-              <a:rPr lang="en-US" dirty="0" smtClean="0"/>
-              <a:t>Who here</a:t>
+            <a:r>
+              <a:rPr lang="en-US" dirty="0" smtClean="0"/>
+              <a:t>Other forms of </a:t>
+            </a:r>
+            <a:r>
+              <a:rPr lang="en-US" dirty="0" smtClean="0"/>
+              <a:t>Software-based</a:t>
             </a:r>
             <a:r>
               <a:rPr lang="en-US" baseline="0" dirty="0" smtClean="0"/>
-              <a:t> has used Mesos, Swarm, or Kubernetes?</a:t>
-            </a:r>
-            <a:endParaRPr lang="en-US" dirty="0" smtClean="0"/>
-          </a:p>
-          <a:p>
-            <a:r>
-              <a:rPr lang="en-US" dirty="0" smtClean="0"/>
-              <a:t>Fair </a:t>
-            </a:r>
-            <a:r>
-              <a:rPr lang="mr-IN" dirty="0" smtClean="0"/>
-              <a:t>–</a:t>
-            </a:r>
-            <a:r>
-              <a:rPr lang="en-US" dirty="0" smtClean="0"/>
-              <a:t> don</a:t>
-            </a:r>
-            <a:r>
-              <a:rPr lang="mr-IN" dirty="0" smtClean="0"/>
-              <a:t>’</a:t>
-            </a:r>
-            <a:r>
-              <a:rPr lang="en-US" dirty="0" smtClean="0"/>
-              <a:t>t overload</a:t>
+              <a:t> </a:t>
+            </a:r>
+            <a:r>
+              <a:rPr lang="en-US" dirty="0" smtClean="0"/>
+              <a:t>Storage </a:t>
+            </a:r>
+            <a:r>
+              <a:rPr lang="en-US" dirty="0" smtClean="0"/>
+              <a:t>may need a physical appliance</a:t>
             </a:r>
             <a:r>
               <a:rPr lang="en-US" baseline="0" dirty="0" smtClean="0"/>
-              <a:t> a particular compute node.</a:t>
-            </a:r>
-          </a:p>
-          <a:p>
-            <a:r>
-              <a:rPr lang="en-US" baseline="0" dirty="0" smtClean="0"/>
-              <a:t>Constraints </a:t>
-            </a:r>
-            <a:r>
-              <a:rPr lang="mr-IN" baseline="0" dirty="0" smtClean="0"/>
-              <a:t>–</a:t>
-            </a:r>
-            <a:r>
-              <a:rPr lang="en-US" baseline="0" dirty="0" smtClean="0"/>
-              <a:t> Places these containers on different compute nodes.</a:t>
-            </a:r>
-          </a:p>
-          <a:p>
-            <a:r>
-              <a:rPr lang="en-US" baseline="0" dirty="0" smtClean="0"/>
-              <a:t>Deterministic dispatch jobs </a:t>
-            </a:r>
-            <a:r>
-              <a:rPr lang="mr-IN" baseline="0" dirty="0" smtClean="0"/>
-              <a:t>–</a:t>
-            </a:r>
-            <a:r>
-              <a:rPr lang="en-US" baseline="0" dirty="0" smtClean="0"/>
-              <a:t> this allows me know how </a:t>
-            </a:r>
-            <a:r>
-              <a:rPr lang="en-US" baseline="0" dirty="0" err="1" smtClean="0"/>
-              <a:t>quicky</a:t>
-            </a:r>
-            <a:r>
-              <a:rPr lang="en-US" baseline="0" dirty="0" smtClean="0"/>
-              <a:t> I can scale my application</a:t>
-            </a:r>
+              <a:t> or require some purpose built hardware. NFS and VSAN do not. I am going to touch on this a little more later.</a:t>
+            </a:r>
+            <a:endParaRPr lang="en-US" dirty="0"/>
           </a:p>
         </p:txBody>
       </p:sp>
@@ -2549,7 +2728,7 @@
               <a:pPr>
                 <a:defRPr/>
               </a:pPr>
-              <a:t>10</a:t>
+              <a:t>8</a:t>
             </a:fld>
             <a:endParaRPr lang="en-US" dirty="0"/>
           </a:p>
@@ -2558,7 +2737,7 @@
     </p:spTree>
     <p:extLst>
       <p:ext uri="{BB962C8B-B14F-4D97-AF65-F5344CB8AC3E}">
-        <p14:creationId xmlns:p14="http://schemas.microsoft.com/office/powerpoint/2010/main" val="1503665617"/>
+        <p14:creationId xmlns:p14="http://schemas.microsoft.com/office/powerpoint/2010/main" val="1715028915"/>
       </p:ext>
     </p:extLst>
   </p:cSld>
@@ -2612,13 +2791,6 @@
           <a:bodyPr/>
           <a:lstStyle/>
           <a:p>
-            <a:r>
-              <a:rPr lang="en-US" dirty="0" smtClean="0"/>
-              <a:t>Container Engines</a:t>
-            </a:r>
-            <a:endParaRPr lang="en-US" baseline="0" dirty="0" smtClean="0"/>
-          </a:p>
-          <a:p>
             <a:pPr marL="0" marR="0" indent="0" algn="l" defTabSz="914400" rtl="0" eaLnBrk="0" fontAlgn="base" latinLnBrk="0" hangingPunct="0">
               <a:lnSpc>
                 <a:spcPct val="100000"/>
@@ -2637,8 +2809,45 @@
               <a:defRPr/>
             </a:pPr>
             <a:r>
+              <a:rPr lang="en-US" dirty="0" smtClean="0"/>
+              <a:t>Who here</a:t>
+            </a:r>
+            <a:r>
               <a:rPr lang="en-US" baseline="0" dirty="0" smtClean="0"/>
-              <a:t>Cluster Manager </a:t>
+              <a:t> has used Mesos, Swarm, or Kubernetes?</a:t>
+            </a:r>
+            <a:endParaRPr lang="en-US" dirty="0" smtClean="0"/>
+          </a:p>
+          <a:p>
+            <a:r>
+              <a:rPr lang="en-US" dirty="0" smtClean="0"/>
+              <a:t>Fair </a:t>
+            </a:r>
+            <a:r>
+              <a:rPr lang="mr-IN" dirty="0" smtClean="0"/>
+              <a:t>–</a:t>
+            </a:r>
+            <a:r>
+              <a:rPr lang="en-US" dirty="0" smtClean="0"/>
+              <a:t> don</a:t>
+            </a:r>
+            <a:r>
+              <a:rPr lang="mr-IN" dirty="0" smtClean="0"/>
+              <a:t>’</a:t>
+            </a:r>
+            <a:r>
+              <a:rPr lang="en-US" dirty="0" smtClean="0"/>
+              <a:t>t overload</a:t>
+            </a:r>
+            <a:r>
+              <a:rPr lang="en-US" baseline="0" dirty="0" smtClean="0"/>
+              <a:t> a particular compute node.</a:t>
+            </a:r>
+          </a:p>
+          <a:p>
+            <a:r>
+              <a:rPr lang="en-US" baseline="0" dirty="0" smtClean="0"/>
+              <a:t>Constraints </a:t>
             </a:r>
             <a:r>
               <a:rPr lang="mr-IN" baseline="0" dirty="0" smtClean="0"/>
@@ -2646,30 +2855,13 @@
             </a:r>
             <a:r>
               <a:rPr lang="en-US" baseline="0" dirty="0" smtClean="0"/>
-              <a:t> in the sense if a compute node goes down, the scheduler will restart the tasks on other nodes.</a:t>
-            </a:r>
-          </a:p>
-          <a:p>
-            <a:pPr marL="0" marR="0" indent="0" algn="l" defTabSz="914400" rtl="0" eaLnBrk="0" fontAlgn="base" latinLnBrk="0" hangingPunct="0">
-              <a:lnSpc>
-                <a:spcPct val="100000"/>
-              </a:lnSpc>
-              <a:spcBef>
-                <a:spcPct val="30000"/>
-              </a:spcBef>
-              <a:spcAft>
-                <a:spcPct val="0"/>
-              </a:spcAft>
-              <a:buClrTx/>
-              <a:buSzTx/>
-              <a:buFontTx/>
-              <a:buNone/>
-              <a:tabLst/>
-              <a:defRPr/>
-            </a:pPr>
+              <a:t> Places these containers on different compute nodes.</a:t>
+            </a:r>
+          </a:p>
+          <a:p>
             <a:r>
               <a:rPr lang="en-US" baseline="0" dirty="0" smtClean="0"/>
-              <a:t>Resource </a:t>
+              <a:t>Deterministic dispatch jobs </a:t>
             </a:r>
             <a:r>
               <a:rPr lang="mr-IN" baseline="0" dirty="0" smtClean="0"/>
@@ -2677,28 +2869,16 @@
             </a:r>
             <a:r>
               <a:rPr lang="en-US" baseline="0" dirty="0" smtClean="0"/>
-              <a:t> like I need 2GB of Memory and 2 CPUs. Maybe you even need a GPU for complex mathematically computations</a:t>
-            </a:r>
-            <a:endParaRPr lang="en-US" dirty="0" smtClean="0"/>
-          </a:p>
-          <a:p>
-            <a:r>
-              <a:rPr lang="en-US" dirty="0" smtClean="0"/>
-              <a:t>Constraints </a:t>
-            </a:r>
-            <a:r>
-              <a:rPr lang="mr-IN" dirty="0" smtClean="0"/>
-              <a:t>–</a:t>
-            </a:r>
-            <a:r>
-              <a:rPr lang="en-US" dirty="0" smtClean="0"/>
-              <a:t> when you deploy</a:t>
+              <a:t> this allows me know how </a:t>
+            </a:r>
+            <a:r>
+              <a:rPr lang="en-US" baseline="0" dirty="0" err="1" smtClean="0"/>
+              <a:t>quicky</a:t>
             </a:r>
             <a:r>
               <a:rPr lang="en-US" baseline="0" dirty="0" smtClean="0"/>
-              <a:t> this application put each instance in a different row in my datacenter</a:t>
-            </a:r>
-            <a:endParaRPr lang="en-US" dirty="0"/>
+              <a:t> I can scale my application</a:t>
+            </a:r>
           </a:p>
         </p:txBody>
       </p:sp>
@@ -2725,7 +2905,7 @@
               <a:pPr>
                 <a:defRPr/>
               </a:pPr>
-              <a:t>11</a:t>
+              <a:t>10</a:t>
             </a:fld>
             <a:endParaRPr lang="en-US" dirty="0"/>
           </a:p>
@@ -2734,7 +2914,7 @@
     </p:spTree>
     <p:extLst>
       <p:ext uri="{BB962C8B-B14F-4D97-AF65-F5344CB8AC3E}">
-        <p14:creationId xmlns:p14="http://schemas.microsoft.com/office/powerpoint/2010/main" val="1450408309"/>
+        <p14:creationId xmlns:p14="http://schemas.microsoft.com/office/powerpoint/2010/main" val="1503665617"/>
       </p:ext>
     </p:extLst>
   </p:cSld>
@@ -2790,15 +2970,89 @@
           <a:p>
             <a:r>
               <a:rPr lang="en-US" dirty="0" smtClean="0"/>
-              <a:t>Many Container</a:t>
-            </a:r>
+              <a:t>Container Engines</a:t>
+            </a:r>
+            <a:endParaRPr lang="en-US" baseline="0" dirty="0" smtClean="0"/>
+          </a:p>
+          <a:p>
+            <a:pPr marL="0" marR="0" indent="0" algn="l" defTabSz="914400" rtl="0" eaLnBrk="0" fontAlgn="base" latinLnBrk="0" hangingPunct="0">
+              <a:lnSpc>
+                <a:spcPct val="100000"/>
+              </a:lnSpc>
+              <a:spcBef>
+                <a:spcPct val="30000"/>
+              </a:spcBef>
+              <a:spcAft>
+                <a:spcPct val="0"/>
+              </a:spcAft>
+              <a:buClrTx/>
+              <a:buSzTx/>
+              <a:buFontTx/>
+              <a:buNone/>
+              <a:tabLst/>
+              <a:defRPr/>
+            </a:pPr>
             <a:r>
               <a:rPr lang="en-US" baseline="0" dirty="0" smtClean="0"/>
-              <a:t> Schedulers allow for overriding how applications get deploy</a:t>
+              <a:t>Cluster Manager </a:t>
             </a:r>
             <a:r>
               <a:rPr lang="mr-IN" baseline="0" dirty="0" smtClean="0"/>
-              <a:t>…</a:t>
+              <a:t>–</a:t>
+            </a:r>
+            <a:r>
+              <a:rPr lang="en-US" baseline="0" dirty="0" smtClean="0"/>
+              <a:t> in the sense if a compute node goes down, the scheduler will restart the tasks on other nodes.</a:t>
+            </a:r>
+          </a:p>
+          <a:p>
+            <a:pPr marL="0" marR="0" indent="0" algn="l" defTabSz="914400" rtl="0" eaLnBrk="0" fontAlgn="base" latinLnBrk="0" hangingPunct="0">
+              <a:lnSpc>
+                <a:spcPct val="100000"/>
+              </a:lnSpc>
+              <a:spcBef>
+                <a:spcPct val="30000"/>
+              </a:spcBef>
+              <a:spcAft>
+                <a:spcPct val="0"/>
+              </a:spcAft>
+              <a:buClrTx/>
+              <a:buSzTx/>
+              <a:buFontTx/>
+              <a:buNone/>
+              <a:tabLst/>
+              <a:defRPr/>
+            </a:pPr>
+            <a:r>
+              <a:rPr lang="en-US" baseline="0" dirty="0" smtClean="0"/>
+              <a:t>Resource </a:t>
+            </a:r>
+            <a:r>
+              <a:rPr lang="mr-IN" baseline="0" dirty="0" smtClean="0"/>
+              <a:t>–</a:t>
+            </a:r>
+            <a:r>
+              <a:rPr lang="en-US" baseline="0" dirty="0" smtClean="0"/>
+              <a:t> like I need 2GB of Memory and 2 CPUs. Maybe you even need a GPU for complex mathematically computations</a:t>
+            </a:r>
+            <a:endParaRPr lang="en-US" dirty="0" smtClean="0"/>
+          </a:p>
+          <a:p>
+            <a:r>
+              <a:rPr lang="en-US" dirty="0" smtClean="0"/>
+              <a:t>Constraints </a:t>
+            </a:r>
+            <a:r>
+              <a:rPr lang="mr-IN" dirty="0" smtClean="0"/>
+              <a:t>–</a:t>
+            </a:r>
+            <a:r>
+              <a:rPr lang="en-US" dirty="0" smtClean="0"/>
+              <a:t> when you deploy</a:t>
+            </a:r>
+            <a:r>
+              <a:rPr lang="en-US" baseline="0" dirty="0" smtClean="0"/>
+              <a:t> this application put each instance in a different row in my datacenter</a:t>
             </a:r>
             <a:endParaRPr lang="en-US" dirty="0"/>
           </a:p>
@@ -2827,7 +3081,7 @@
               <a:pPr>
                 <a:defRPr/>
               </a:pPr>
-              <a:t>12</a:t>
+              <a:t>11</a:t>
             </a:fld>
             <a:endParaRPr lang="en-US" dirty="0"/>
           </a:p>
@@ -2836,7 +3090,7 @@
     </p:spTree>
     <p:extLst>
       <p:ext uri="{BB962C8B-B14F-4D97-AF65-F5344CB8AC3E}">
-        <p14:creationId xmlns:p14="http://schemas.microsoft.com/office/powerpoint/2010/main" val="555846191"/>
+        <p14:creationId xmlns:p14="http://schemas.microsoft.com/office/powerpoint/2010/main" val="1450408309"/>
       </p:ext>
     </p:extLst>
   </p:cSld>
@@ -2892,66 +3146,16 @@
           <a:p>
             <a:r>
               <a:rPr lang="en-US" dirty="0" smtClean="0"/>
-              <a:t>I wanted to take a loo</a:t>
+              <a:t>Many Container</a:t>
             </a:r>
             <a:r>
               <a:rPr lang="en-US" baseline="0" dirty="0" smtClean="0"/>
-              <a:t>k at one Container Scheduler in particular</a:t>
+              <a:t> Schedulers allow for overriding how applications get deploy</a:t>
             </a:r>
             <a:r>
               <a:rPr lang="mr-IN" baseline="0" dirty="0" smtClean="0"/>
               <a:t>…</a:t>
             </a:r>
-            <a:r>
-              <a:rPr lang="en-US" baseline="0" dirty="0" smtClean="0"/>
-              <a:t> Apache Mesos</a:t>
-            </a:r>
-            <a:endParaRPr lang="en-US" dirty="0" smtClean="0"/>
-          </a:p>
-          <a:p>
-            <a:r>
-              <a:rPr lang="en-US" dirty="0" smtClean="0"/>
-              <a:t>Is a Container Scheduler. Supports:</a:t>
-            </a:r>
-          </a:p>
-          <a:p>
-            <a:r>
-              <a:rPr lang="en-US" baseline="0" dirty="0" smtClean="0"/>
-              <a:t>  - </a:t>
-            </a:r>
-            <a:r>
-              <a:rPr lang="en-US" dirty="0" smtClean="0"/>
-              <a:t>Docker</a:t>
-            </a:r>
-          </a:p>
-          <a:p>
-            <a:r>
-              <a:rPr lang="en-US" baseline="0" dirty="0" smtClean="0"/>
-              <a:t>  - </a:t>
-            </a:r>
-            <a:r>
-              <a:rPr lang="en-US" dirty="0" smtClean="0"/>
-              <a:t>Unified </a:t>
-            </a:r>
-            <a:r>
-              <a:rPr lang="en-US" dirty="0" err="1" smtClean="0"/>
-              <a:t>Containerizer</a:t>
-            </a:r>
-            <a:endParaRPr lang="en-US" dirty="0" smtClean="0"/>
-          </a:p>
-          <a:p>
-            <a:r>
-              <a:rPr lang="en-US" dirty="0" smtClean="0"/>
-              <a:t>Task placement based on CPU, Memory, and Disk</a:t>
-            </a:r>
-          </a:p>
-          <a:p>
-            <a:r>
-              <a:rPr lang="en-US" dirty="0" smtClean="0"/>
-              <a:t>User defined constraints</a:t>
-            </a:r>
-          </a:p>
-          <a:p>
             <a:endParaRPr lang="en-US" dirty="0"/>
           </a:p>
         </p:txBody>
@@ -2979,7 +3183,7 @@
               <a:pPr>
                 <a:defRPr/>
               </a:pPr>
-              <a:t>13</a:t>
+              <a:t>12</a:t>
             </a:fld>
             <a:endParaRPr lang="en-US" dirty="0"/>
           </a:p>
@@ -2988,7 +3192,7 @@
     </p:spTree>
     <p:extLst>
       <p:ext uri="{BB962C8B-B14F-4D97-AF65-F5344CB8AC3E}">
-        <p14:creationId xmlns:p14="http://schemas.microsoft.com/office/powerpoint/2010/main" val="2738618154"/>
+        <p14:creationId xmlns:p14="http://schemas.microsoft.com/office/powerpoint/2010/main" val="555846191"/>
       </p:ext>
     </p:extLst>
   </p:cSld>
@@ -3044,32 +3248,66 @@
           <a:p>
             <a:r>
               <a:rPr lang="en-US" dirty="0" smtClean="0"/>
-              <a:t>Dive a little deeper</a:t>
-            </a:r>
-            <a:r>
-              <a:rPr lang="mr-IN" dirty="0" smtClean="0"/>
+              <a:t>I wanted to take a loo</a:t>
+            </a:r>
+            <a:r>
+              <a:rPr lang="en-US" baseline="0" dirty="0" smtClean="0"/>
+              <a:t>k at one Container Scheduler in particular</a:t>
+            </a:r>
+            <a:r>
+              <a:rPr lang="mr-IN" baseline="0" dirty="0" smtClean="0"/>
               <a:t>…</a:t>
             </a:r>
+            <a:r>
+              <a:rPr lang="en-US" baseline="0" dirty="0" smtClean="0"/>
+              <a:t> Apache Mesos</a:t>
+            </a:r>
             <a:endParaRPr lang="en-US" dirty="0" smtClean="0"/>
           </a:p>
           <a:p>
+            <a:r>
+              <a:rPr lang="en-US" dirty="0" smtClean="0"/>
+              <a:t>Is a Container Scheduler. Supports:</a:t>
+            </a:r>
+          </a:p>
+          <a:p>
+            <a:r>
+              <a:rPr lang="en-US" baseline="0" dirty="0" smtClean="0"/>
+              <a:t>  - </a:t>
+            </a:r>
+            <a:r>
+              <a:rPr lang="en-US" dirty="0" smtClean="0"/>
+              <a:t>Docker</a:t>
+            </a:r>
+          </a:p>
+          <a:p>
+            <a:r>
+              <a:rPr lang="en-US" baseline="0" dirty="0" smtClean="0"/>
+              <a:t>  - </a:t>
+            </a:r>
+            <a:r>
+              <a:rPr lang="en-US" dirty="0" smtClean="0"/>
+              <a:t>Unified </a:t>
+            </a:r>
+            <a:r>
+              <a:rPr lang="en-US" dirty="0" err="1" smtClean="0"/>
+              <a:t>Containerizer</a:t>
+            </a:r>
             <a:endParaRPr lang="en-US" dirty="0" smtClean="0"/>
           </a:p>
           <a:p>
             <a:r>
               <a:rPr lang="en-US" dirty="0" smtClean="0"/>
-              <a:t>The one really cool</a:t>
-            </a:r>
-            <a:r>
-              <a:rPr lang="en-US" baseline="0" dirty="0" smtClean="0"/>
-              <a:t> thing about Mesos is this concept of Frameworks.</a:t>
-            </a:r>
-          </a:p>
-          <a:p>
-            <a:r>
-              <a:rPr lang="en-US" baseline="0" dirty="0" smtClean="0"/>
-              <a:t>Allows you to override the behavior of how an application is placed in your cluster.</a:t>
-            </a:r>
+              <a:t>Task placement based on CPU, Memory, and Disk</a:t>
+            </a:r>
+          </a:p>
+          <a:p>
+            <a:r>
+              <a:rPr lang="en-US" dirty="0" smtClean="0"/>
+              <a:t>User defined constraints</a:t>
+            </a:r>
+          </a:p>
+          <a:p>
             <a:endParaRPr lang="en-US" dirty="0"/>
           </a:p>
         </p:txBody>
@@ -3097,7 +3335,7 @@
               <a:pPr>
                 <a:defRPr/>
               </a:pPr>
-              <a:t>14</a:t>
+              <a:t>13</a:t>
             </a:fld>
             <a:endParaRPr lang="en-US" dirty="0"/>
           </a:p>
@@ -3106,7 +3344,7 @@
     </p:spTree>
     <p:extLst>
       <p:ext uri="{BB962C8B-B14F-4D97-AF65-F5344CB8AC3E}">
-        <p14:creationId xmlns:p14="http://schemas.microsoft.com/office/powerpoint/2010/main" val="976539886"/>
+        <p14:creationId xmlns:p14="http://schemas.microsoft.com/office/powerpoint/2010/main" val="2738618154"/>
       </p:ext>
     </p:extLst>
   </p:cSld>
@@ -3162,73 +3400,31 @@
           <a:p>
             <a:r>
               <a:rPr lang="en-US" dirty="0" smtClean="0"/>
-              <a:t>If</a:t>
+              <a:t>Dive a little deeper</a:t>
+            </a:r>
+            <a:r>
+              <a:rPr lang="mr-IN" dirty="0" smtClean="0"/>
+              <a:t>…</a:t>
+            </a:r>
+            <a:endParaRPr lang="en-US" dirty="0" smtClean="0"/>
+          </a:p>
+          <a:p>
+            <a:endParaRPr lang="en-US" dirty="0" smtClean="0"/>
+          </a:p>
+          <a:p>
+            <a:r>
+              <a:rPr lang="en-US" dirty="0" smtClean="0"/>
+              <a:t>The one really cool</a:t>
             </a:r>
             <a:r>
               <a:rPr lang="en-US" baseline="0" dirty="0" smtClean="0"/>
-              <a:t> we zoom into the offer/accept mechanism, we start with</a:t>
+              <a:t> thing about Mesos is this concept of Frameworks.</a:t>
             </a:r>
           </a:p>
           <a:p>
             <a:r>
               <a:rPr lang="en-US" baseline="0" dirty="0" smtClean="0"/>
-              <a:t>#1 </a:t>
-            </a:r>
-            <a:r>
-              <a:rPr lang="mr-IN" baseline="0" dirty="0" smtClean="0"/>
-              <a:t>–</a:t>
-            </a:r>
-            <a:r>
-              <a:rPr lang="en-US" baseline="0" dirty="0" smtClean="0"/>
-              <a:t> the compute node offering up resource. Mesos master = control plane!</a:t>
-            </a:r>
-          </a:p>
-          <a:p>
-            <a:r>
-              <a:rPr lang="en-US" baseline="0" dirty="0" smtClean="0"/>
-              <a:t>#2 - the Framework accepting those resources</a:t>
-            </a:r>
-          </a:p>
-          <a:p>
-            <a:r>
-              <a:rPr lang="en-US" baseline="0" dirty="0" smtClean="0"/>
-              <a:t>#3 </a:t>
-            </a:r>
-            <a:r>
-              <a:rPr lang="mr-IN" baseline="0" dirty="0" smtClean="0"/>
-              <a:t>–</a:t>
-            </a:r>
-            <a:r>
-              <a:rPr lang="en-US" baseline="0" dirty="0" smtClean="0"/>
-              <a:t> the scheduler then </a:t>
-            </a:r>
-            <a:r>
-              <a:rPr lang="en-US" baseline="0" dirty="0" err="1" smtClean="0"/>
-              <a:t>comsumes</a:t>
-            </a:r>
-            <a:r>
-              <a:rPr lang="en-US" baseline="0" dirty="0" smtClean="0"/>
-              <a:t> some resource and launches N-tasks</a:t>
-            </a:r>
-          </a:p>
-          <a:p>
-            <a:r>
-              <a:rPr lang="en-US" baseline="0" dirty="0" smtClean="0"/>
-              <a:t>#4 </a:t>
-            </a:r>
-            <a:r>
-              <a:rPr lang="mr-IN" baseline="0" dirty="0" smtClean="0"/>
-              <a:t>–</a:t>
-            </a:r>
-            <a:r>
-              <a:rPr lang="en-US" baseline="0" dirty="0" smtClean="0"/>
-              <a:t> the executor and tasks get placed on one of the compute nodes.</a:t>
-            </a:r>
-          </a:p>
-          <a:p>
-            <a:r>
-              <a:rPr lang="en-US" baseline="0" dirty="0" smtClean="0"/>
-              <a:t>So we will see this exact process happening behind the scenes in the demo.</a:t>
+              <a:t>Allows you to override the behavior of how an application is placed in your cluster.</a:t>
             </a:r>
             <a:endParaRPr lang="en-US" dirty="0"/>
           </a:p>
@@ -3257,7 +3453,7 @@
               <a:pPr>
                 <a:defRPr/>
               </a:pPr>
-              <a:t>15</a:t>
+              <a:t>14</a:t>
             </a:fld>
             <a:endParaRPr lang="en-US" dirty="0"/>
           </a:p>
@@ -3266,7 +3462,7 @@
     </p:spTree>
     <p:extLst>
       <p:ext uri="{BB962C8B-B14F-4D97-AF65-F5344CB8AC3E}">
-        <p14:creationId xmlns:p14="http://schemas.microsoft.com/office/powerpoint/2010/main" val="1326502931"/>
+        <p14:creationId xmlns:p14="http://schemas.microsoft.com/office/powerpoint/2010/main" val="976539886"/>
       </p:ext>
     </p:extLst>
   </p:cSld>
@@ -7689,7 +7885,7 @@
                   <a:schemeClr val="bg1"/>
                 </a:buClr>
               </a:pPr>
-              <a:t>4/24/17</a:t>
+              <a:t>4/25/17</a:t>
             </a:fld>
             <a:endParaRPr lang="en-US" sz="900" dirty="0" smtClean="0">
               <a:solidFill>
@@ -7763,7 +7959,7 @@
                   <a:schemeClr val="bg1"/>
                 </a:buClr>
               </a:pPr>
-              <a:t>4/24/17</a:t>
+              <a:t>4/25/17</a:t>
             </a:fld>
             <a:endParaRPr lang="en-US" sz="900" dirty="0" smtClean="0">
               <a:solidFill>
@@ -10401,7 +10597,7 @@
         <p:spPr>
           <a:xfrm>
             <a:off x="1738704" y="1110798"/>
-            <a:ext cx="5489409" cy="3787774"/>
+            <a:ext cx="5489408" cy="3787774"/>
           </a:xfrm>
         </p:spPr>
       </p:pic>
@@ -10469,7 +10665,18 @@
           <a:p>
             <a:r>
               <a:rPr lang="en-US" dirty="0" smtClean="0"/>
-              <a:t>Schedulers and Software Defined Storage</a:t>
+              <a:t>Schedulers </a:t>
+            </a:r>
+            <a:r>
+              <a:rPr lang="en-US" dirty="0" smtClean="0"/>
+              <a:t>and</a:t>
+            </a:r>
+            <a:br>
+              <a:rPr lang="en-US" dirty="0" smtClean="0"/>
+            </a:br>
+            <a:r>
+              <a:rPr lang="en-US" dirty="0" smtClean="0"/>
+              <a:t>Software-based Storage</a:t>
             </a:r>
             <a:endParaRPr lang="en-US" dirty="0"/>
           </a:p>
@@ -10562,15 +10769,7 @@
           <a:p>
             <a:r>
               <a:rPr lang="en-US" dirty="0" smtClean="0"/>
-              <a:t>Let’s create a </a:t>
-            </a:r>
-            <a:r>
-              <a:rPr lang="en-US" dirty="0" smtClean="0"/>
-              <a:t>Software-based Storage </a:t>
-            </a:r>
-            <a:r>
-              <a:rPr lang="en-US" dirty="0" smtClean="0"/>
-              <a:t>Framework</a:t>
+              <a:t>Let’s create a Software-based Storage Framework</a:t>
             </a:r>
           </a:p>
           <a:p>
@@ -12339,8 +12538,12 @@
           <a:lstStyle/>
           <a:p>
             <a:r>
-              <a:rPr lang="en-US" dirty="0" smtClean="0"/>
-              <a:t>External Storage Enablement</a:t>
+              <a:rPr lang="en-US" dirty="0"/>
+              <a:t>Manages the Storage </a:t>
+            </a:r>
+            <a:r>
+              <a:rPr lang="en-US" dirty="0" smtClean="0"/>
+              <a:t>Enablement</a:t>
             </a:r>
             <a:endParaRPr lang="en-US" dirty="0"/>
           </a:p>
@@ -12387,15 +12590,31 @@
           <a:p>
             <a:pPr lvl="1"/>
             <a:r>
-              <a:rPr lang="en-US" dirty="0" smtClean="0"/>
-              <a:t>AWS, GCE, ScaleIO, </a:t>
-            </a:r>
-            <a:r>
-              <a:rPr lang="en-US" dirty="0" err="1" smtClean="0"/>
+              <a:rPr lang="en-US" dirty="0"/>
+              <a:t>AWS, Azure, </a:t>
+            </a:r>
+            <a:r>
+              <a:rPr lang="en-US" dirty="0" err="1"/>
+              <a:t>Ceph</a:t>
+            </a:r>
+            <a:r>
+              <a:rPr lang="en-US" dirty="0"/>
+              <a:t>, </a:t>
+            </a:r>
+            <a:r>
+              <a:rPr lang="en-US" dirty="0" err="1"/>
+              <a:t>DigitalOcean</a:t>
+            </a:r>
+            <a:r>
+              <a:rPr lang="en-US" dirty="0"/>
+              <a:t>, GCE, ScaleIO, </a:t>
+            </a:r>
+            <a:r>
+              <a:rPr lang="en-US" dirty="0" err="1"/>
               <a:t>VirtualBox</a:t>
             </a:r>
             <a:r>
-              <a:rPr lang="en-US" dirty="0" smtClean="0"/>
+              <a:rPr lang="en-US" dirty="0"/>
               <a:t>, many more</a:t>
             </a:r>
           </a:p>
@@ -12843,13 +13062,11 @@
           <a:p>
             <a:r>
               <a:rPr lang="en-US" dirty="0" smtClean="0"/>
-              <a:t>Applications with management APIs</a:t>
-            </a:r>
-          </a:p>
-          <a:p>
-            <a:r>
-              <a:rPr lang="en-US" dirty="0" smtClean="0"/>
-              <a:t>Cloud is perfect to enable DevOps</a:t>
+              <a:t>Cloud </a:t>
+            </a:r>
+            <a:r>
+              <a:rPr lang="en-US" dirty="0" smtClean="0"/>
+              <a:t>is perfect to enable DevOps</a:t>
             </a:r>
           </a:p>
           <a:p>
@@ -12883,7 +13100,7 @@
         </p:blipFill>
         <p:spPr>
           <a:xfrm>
-            <a:off x="2673350" y="2822574"/>
+            <a:off x="2673350" y="2427158"/>
             <a:ext cx="3803650" cy="1901825"/>
           </a:xfrm>
           <a:prstGeom prst="rect">
@@ -13112,28 +13329,34 @@
         </p:spPr>
         <p:txBody>
           <a:bodyPr>
-            <a:normAutofit lnSpcReduction="10000"/>
+            <a:normAutofit fontScale="92500" lnSpcReduction="10000"/>
           </a:bodyPr>
           <a:lstStyle/>
           <a:p>
             <a:r>
               <a:rPr lang="en-US" dirty="0" smtClean="0"/>
-              <a:t>AWS SDK</a:t>
-            </a:r>
+              <a:t>Software-based </a:t>
+            </a:r>
+            <a:r>
+              <a:rPr lang="en-US" dirty="0" smtClean="0"/>
+              <a:t>Storage Platform with a Cloud Platform driven by </a:t>
+            </a:r>
+            <a:r>
+              <a:rPr lang="en-US" dirty="0" smtClean="0"/>
+              <a:t>APIs</a:t>
+            </a:r>
+          </a:p>
+          <a:p>
+            <a:pPr lvl="1"/>
             <a:r>
               <a:rPr lang="en-US" dirty="0"/>
-              <a:t> </a:t>
-            </a:r>
-            <a:r>
-              <a:rPr lang="en-US" dirty="0" smtClean="0"/>
-              <a:t>– 10 Language bindings</a:t>
-            </a:r>
-          </a:p>
-          <a:p>
-            <a:r>
-              <a:rPr lang="en-US" dirty="0" smtClean="0"/>
-              <a:t>Software-based Storage Platform with a Cloud Platform driven by APIs</a:t>
-            </a:r>
+              <a:t>AWS SDK – 10 Language </a:t>
+            </a:r>
+            <a:r>
+              <a:rPr lang="en-US" dirty="0" smtClean="0"/>
+              <a:t>bindings</a:t>
+            </a:r>
+            <a:endParaRPr lang="en-US" dirty="0" smtClean="0"/>
           </a:p>
           <a:p>
             <a:r>
@@ -13145,11 +13368,21 @@
             <a:pPr lvl="1"/>
             <a:r>
               <a:rPr lang="en-US" dirty="0" smtClean="0"/>
-              <a:t>Maintenance, Remediation, Performance, </a:t>
-            </a:r>
-            <a:r>
-              <a:rPr lang="en-US" dirty="0" err="1" smtClean="0"/>
-              <a:t>etc</a:t>
+              <a:t>Auto-scale Instances</a:t>
+            </a:r>
+          </a:p>
+          <a:p>
+            <a:pPr lvl="1"/>
+            <a:r>
+              <a:rPr lang="en-US" dirty="0" smtClean="0"/>
+              <a:t>Dial in the IOPS for disk</a:t>
+            </a:r>
+          </a:p>
+          <a:p>
+            <a:pPr lvl="1"/>
+            <a:r>
+              <a:rPr lang="en-US" dirty="0" smtClean="0"/>
+              <a:t>Possibilities are endless!</a:t>
             </a:r>
             <a:endParaRPr lang="en-US" dirty="0" smtClean="0"/>
           </a:p>
@@ -16978,20 +17211,13 @@
         <p:spPr/>
         <p:txBody>
           <a:bodyPr>
-            <a:normAutofit fontScale="90000"/>
+            <a:normAutofit/>
           </a:bodyPr>
           <a:lstStyle/>
           <a:p>
             <a:r>
               <a:rPr lang="en-US" dirty="0" smtClean="0"/>
-              <a:t>Container</a:t>
-            </a:r>
-            <a:br>
-              <a:rPr lang="en-US" dirty="0" smtClean="0"/>
-            </a:br>
-            <a:r>
-              <a:rPr lang="en-US" dirty="0" smtClean="0"/>
-              <a:t>Schedulers</a:t>
+              <a:t>Container Schedulers</a:t>
             </a:r>
             <a:endParaRPr lang="en-US" dirty="0"/>
           </a:p>

--- a/2017_APACHECON_US/ConSchedAndSbSChangeCloud.pptx
+++ b/2017_APACHECON_US/ConSchedAndSbSChangeCloud.pptx
@@ -786,37 +786,57 @@
           <a:p>
             <a:r>
               <a:rPr lang="en-US" dirty="0" smtClean="0"/>
-              <a:t>I work on the {code} team which</a:t>
+              <a:t>I work on the {code} by Dell EMC team which</a:t>
             </a:r>
             <a:r>
               <a:rPr lang="en-US" baseline="0" dirty="0" smtClean="0"/>
-              <a:t> is a group within</a:t>
-            </a:r>
-            <a:r>
-              <a:rPr lang="en-US" dirty="0" smtClean="0"/>
-              <a:t> Dell EMC that develops</a:t>
+              <a:t> is a group within Dell EMC </a:t>
+            </a:r>
+            <a:r>
+              <a:rPr lang="en-US" dirty="0" smtClean="0"/>
+              <a:t>that develops</a:t>
             </a:r>
             <a:r>
               <a:rPr lang="en-US" baseline="0" dirty="0" smtClean="0"/>
-              <a:t> and contributes to various open source projects in the container space. Docker, Mesos and Kubernetes in particular.</a:t>
-            </a:r>
+              <a:t> and contributes to various open source projects in the community. Our team is most known for working on projects enabling different container schedulers to consume various storage platforms easily. </a:t>
+            </a:r>
+            <a:r>
+              <a:rPr lang="en-US" dirty="0" smtClean="0"/>
+              <a:t>Docker (REX-Ray), Mesos (</a:t>
+            </a:r>
+            <a:r>
+              <a:rPr lang="en-US" dirty="0" err="1" smtClean="0"/>
+              <a:t>mesos</a:t>
+            </a:r>
+            <a:r>
+              <a:rPr lang="en-US" dirty="0" smtClean="0"/>
+              <a:t>-module-</a:t>
+            </a:r>
+            <a:r>
+              <a:rPr lang="en-US" dirty="0" err="1" smtClean="0"/>
+              <a:t>dvdi</a:t>
+            </a:r>
+            <a:r>
+              <a:rPr lang="en-US" dirty="0" smtClean="0"/>
+              <a:t>), Kubernetes</a:t>
+            </a:r>
+            <a:endParaRPr lang="en-US" baseline="0" dirty="0" smtClean="0"/>
+          </a:p>
+          <a:p>
+            <a:endParaRPr lang="en-US" baseline="0" dirty="0" smtClean="0"/>
           </a:p>
           <a:p>
             <a:r>
               <a:rPr lang="en-US" baseline="0" dirty="0" smtClean="0"/>
-              <a:t>Backup and Recovery Solution working on </a:t>
+              <a:t>Past Life: Backup and Recovery Solution working on </a:t>
             </a:r>
             <a:r>
               <a:rPr lang="en-US" baseline="0" dirty="0" err="1" smtClean="0"/>
               <a:t>Vmware</a:t>
             </a:r>
             <a:r>
-              <a:rPr lang="en-US" baseline="0" smtClean="0"/>
-              <a:t> virtualized </a:t>
-            </a:r>
-            <a:r>
               <a:rPr lang="en-US" baseline="0" dirty="0" smtClean="0"/>
-              <a:t>environments.</a:t>
+              <a:t> virtualized environments.</a:t>
             </a:r>
             <a:endParaRPr lang="en-US" dirty="0" smtClean="0"/>
           </a:p>
@@ -1164,15 +1184,7 @@
             </a:r>
             <a:r>
               <a:rPr lang="en-US" baseline="0" dirty="0" smtClean="0"/>
-              <a:t> this idea of creating a </a:t>
-            </a:r>
-            <a:r>
-              <a:rPr lang="en-US" baseline="0" dirty="0" smtClean="0"/>
-              <a:t>Software-based Storage </a:t>
-            </a:r>
-            <a:r>
-              <a:rPr lang="en-US" baseline="0" dirty="0" smtClean="0"/>
-              <a:t>Mesos Framework.</a:t>
+              <a:t> this idea of creating a Software-based Storage Mesos Framework.</a:t>
             </a:r>
           </a:p>
           <a:p>
@@ -2679,11 +2691,7 @@
           <a:p>
             <a:r>
               <a:rPr lang="en-US" dirty="0" smtClean="0"/>
-              <a:t>Other forms of </a:t>
-            </a:r>
-            <a:r>
-              <a:rPr lang="en-US" dirty="0" smtClean="0"/>
-              <a:t>Software-based</a:t>
+              <a:t>Other forms of Software-based</a:t>
             </a:r>
             <a:r>
               <a:rPr lang="en-US" baseline="0" dirty="0" smtClean="0"/>
@@ -2691,11 +2699,7 @@
             </a:r>
             <a:r>
               <a:rPr lang="en-US" dirty="0" smtClean="0"/>
-              <a:t>Storage </a:t>
-            </a:r>
-            <a:r>
-              <a:rPr lang="en-US" dirty="0" smtClean="0"/>
-              <a:t>may need a physical appliance</a:t>
+              <a:t>Storage may need a physical appliance</a:t>
             </a:r>
             <a:r>
               <a:rPr lang="en-US" baseline="0" dirty="0" smtClean="0"/>
@@ -2872,12 +2876,12 @@
               <a:t> this allows me know how </a:t>
             </a:r>
             <a:r>
-              <a:rPr lang="en-US" baseline="0" dirty="0" err="1" smtClean="0"/>
-              <a:t>quicky</a:t>
-            </a:r>
-            <a:r>
               <a:rPr lang="en-US" baseline="0" dirty="0" smtClean="0"/>
-              <a:t> I can scale my application</a:t>
+              <a:t>quickly </a:t>
+            </a:r>
+            <a:r>
+              <a:rPr lang="en-US" baseline="0" dirty="0" smtClean="0"/>
+              <a:t>I can scale my application</a:t>
             </a:r>
           </a:p>
         </p:txBody>
@@ -7885,7 +7889,7 @@
                   <a:schemeClr val="bg1"/>
                 </a:buClr>
               </a:pPr>
-              <a:t>4/25/17</a:t>
+              <a:t>5/13/17</a:t>
             </a:fld>
             <a:endParaRPr lang="en-US" sz="900" dirty="0" smtClean="0">
               <a:solidFill>
@@ -7959,7 +7963,7 @@
                   <a:schemeClr val="bg1"/>
                 </a:buClr>
               </a:pPr>
-              <a:t>4/25/17</a:t>
+              <a:t>5/13/17</a:t>
             </a:fld>
             <a:endParaRPr lang="en-US" sz="900" dirty="0" smtClean="0">
               <a:solidFill>
@@ -10665,11 +10669,7 @@
           <a:p>
             <a:r>
               <a:rPr lang="en-US" dirty="0" smtClean="0"/>
-              <a:t>Schedulers </a:t>
-            </a:r>
-            <a:r>
-              <a:rPr lang="en-US" dirty="0" smtClean="0"/>
-              <a:t>and</a:t>
+              <a:t>Schedulers and</a:t>
             </a:r>
             <a:br>
               <a:rPr lang="en-US" dirty="0" smtClean="0"/>
@@ -11604,8 +11604,24 @@
           </a:p>
           <a:p>
             <a:r>
-              <a:rPr lang="en-US" dirty="0" smtClean="0"/>
-              <a:t>Top 7 of 12 Apps in Docker Hub are persistent applications</a:t>
+              <a:rPr lang="en-US" smtClean="0"/>
+              <a:t>Top </a:t>
+            </a:r>
+            <a:r>
+              <a:rPr lang="en-US" smtClean="0"/>
+              <a:t>10 </a:t>
+            </a:r>
+            <a:r>
+              <a:rPr lang="en-US" smtClean="0"/>
+              <a:t>of </a:t>
+            </a:r>
+            <a:r>
+              <a:rPr lang="en-US" smtClean="0"/>
+              <a:t>20 Apps </a:t>
+            </a:r>
+            <a:r>
+              <a:rPr lang="en-US" dirty="0" smtClean="0"/>
+              <a:t>in Docker Hub are persistent applications</a:t>
             </a:r>
             <a:endParaRPr lang="en-US" dirty="0"/>
           </a:p>
@@ -13062,11 +13078,7 @@
           <a:p>
             <a:r>
               <a:rPr lang="en-US" dirty="0" smtClean="0"/>
-              <a:t>Cloud </a:t>
-            </a:r>
-            <a:r>
-              <a:rPr lang="en-US" dirty="0" smtClean="0"/>
-              <a:t>is perfect to enable DevOps</a:t>
+              <a:t>Cloud is perfect to enable DevOps</a:t>
             </a:r>
           </a:p>
           <a:p>
@@ -13335,15 +13347,7 @@
           <a:p>
             <a:r>
               <a:rPr lang="en-US" dirty="0" smtClean="0"/>
-              <a:t>Software-based </a:t>
-            </a:r>
-            <a:r>
-              <a:rPr lang="en-US" dirty="0" smtClean="0"/>
-              <a:t>Storage Platform with a Cloud Platform driven by </a:t>
-            </a:r>
-            <a:r>
-              <a:rPr lang="en-US" dirty="0" smtClean="0"/>
-              <a:t>APIs</a:t>
+              <a:t>Software-based Storage Platform with a Cloud Platform driven by APIs</a:t>
             </a:r>
           </a:p>
           <a:p>
@@ -13356,7 +13360,6 @@
               <a:rPr lang="en-US" dirty="0" smtClean="0"/>
               <a:t>bindings</a:t>
             </a:r>
-            <a:endParaRPr lang="en-US" dirty="0" smtClean="0"/>
           </a:p>
           <a:p>
             <a:r>
@@ -13384,7 +13387,6 @@
               <a:rPr lang="en-US" dirty="0" smtClean="0"/>
               <a:t>Possibilities are endless!</a:t>
             </a:r>
-            <a:endParaRPr lang="en-US" dirty="0" smtClean="0"/>
           </a:p>
           <a:p>
             <a:r>

--- a/2017_APACHECON_US/ConSchedAndSbSChangeCloud.pptx
+++ b/2017_APACHECON_US/ConSchedAndSbSChangeCloud.pptx
@@ -1283,26 +1283,52 @@
           <a:lstStyle/>
           <a:p>
             <a:r>
-              <a:rPr lang="en-US" dirty="0" smtClean="0"/>
-              <a:t>Not</a:t>
-            </a:r>
-            <a:r>
               <a:rPr lang="en-US" baseline="0" dirty="0" smtClean="0"/>
-              <a:t> only is ScaleIO a Software Defined Storage platform, but it’s also a Software-based Storage platform.</a:t>
-            </a:r>
-          </a:p>
-          <a:p>
+              <a:t>Meaning </a:t>
+            </a:r>
             <a:r>
               <a:rPr lang="en-US" baseline="0" dirty="0" smtClean="0"/>
-              <a:t>Meaning you can install this anywhere. On Linux, Windows, Virtualized environment like </a:t>
-            </a:r>
-            <a:r>
-              <a:rPr lang="en-US" baseline="0" dirty="0" err="1" smtClean="0"/>
-              <a:t>Vmware</a:t>
+              <a:t>you can install this </a:t>
             </a:r>
             <a:r>
               <a:rPr lang="en-US" baseline="0" dirty="0" smtClean="0"/>
-              <a:t>, in the Cloud.</a:t>
+              <a:t>anywhere.</a:t>
+            </a:r>
+          </a:p>
+          <a:p>
+            <a:r>
+              <a:rPr lang="en-US" baseline="0" dirty="0" smtClean="0"/>
+              <a:t>Elastic architecture </a:t>
+            </a:r>
+            <a:r>
+              <a:rPr lang="mr-IN" baseline="0" dirty="0" smtClean="0"/>
+              <a:t>–</a:t>
+            </a:r>
+            <a:r>
+              <a:rPr lang="en-US" baseline="0" dirty="0" smtClean="0"/>
+              <a:t> Add/remove nodes</a:t>
+            </a:r>
+            <a:r>
+              <a:rPr lang="mr-IN" baseline="0" dirty="0" smtClean="0"/>
+              <a:t>…</a:t>
+            </a:r>
+            <a:r>
+              <a:rPr lang="en-US" baseline="0" dirty="0" smtClean="0"/>
+              <a:t> automatically triggers a rebalance to keep your </a:t>
+            </a:r>
+            <a:r>
+              <a:rPr lang="en-US" baseline="0" smtClean="0"/>
+              <a:t>data protected.</a:t>
+            </a:r>
+            <a:endParaRPr lang="en-US" baseline="0" dirty="0" smtClean="0"/>
+          </a:p>
+          <a:p>
+            <a:endParaRPr lang="en-US" baseline="0" dirty="0" smtClean="0"/>
+          </a:p>
+          <a:p>
+            <a:r>
+              <a:rPr lang="en-US" baseline="0" dirty="0" smtClean="0"/>
+              <a:t>IMPORTANT: What ScaleIO brings to the table is it takes Direct Attached Storage and transforms that into a Global Accessible Storage Pool across your nodes.</a:t>
             </a:r>
             <a:endParaRPr lang="en-US" dirty="0"/>
           </a:p>
@@ -2873,15 +2899,7 @@
             </a:r>
             <a:r>
               <a:rPr lang="en-US" baseline="0" dirty="0" smtClean="0"/>
-              <a:t> this allows me know how </a:t>
-            </a:r>
-            <a:r>
-              <a:rPr lang="en-US" baseline="0" dirty="0" smtClean="0"/>
-              <a:t>quickly </a:t>
-            </a:r>
-            <a:r>
-              <a:rPr lang="en-US" baseline="0" dirty="0" smtClean="0"/>
-              <a:t>I can scale my application</a:t>
+              <a:t> this allows me know how quickly I can scale my application</a:t>
             </a:r>
           </a:p>
         </p:txBody>
@@ -3429,6 +3447,19 @@
             <a:r>
               <a:rPr lang="en-US" baseline="0" dirty="0" smtClean="0"/>
               <a:t>Allows you to override the behavior of how an application is placed in your cluster.</a:t>
+            </a:r>
+          </a:p>
+          <a:p>
+            <a:endParaRPr lang="en-US" baseline="0" dirty="0" smtClean="0"/>
+          </a:p>
+          <a:p>
+            <a:r>
+              <a:rPr lang="en-US" baseline="0" dirty="0" smtClean="0"/>
+              <a:t>Tightly couple in the sense you can do specialized things. </a:t>
+            </a:r>
+            <a:r>
+              <a:rPr lang="en-US" baseline="0" smtClean="0"/>
+              <a:t>For example, monitor the Application’s health.</a:t>
             </a:r>
             <a:endParaRPr lang="en-US" dirty="0"/>
           </a:p>
@@ -7889,7 +7920,7 @@
                   <a:schemeClr val="bg1"/>
                 </a:buClr>
               </a:pPr>
-              <a:t>5/13/17</a:t>
+              <a:t>5/17/17</a:t>
             </a:fld>
             <a:endParaRPr lang="en-US" sz="900" dirty="0" smtClean="0">
               <a:solidFill>
@@ -7963,7 +7994,7 @@
                   <a:schemeClr val="bg1"/>
                 </a:buClr>
               </a:pPr>
-              <a:t>5/13/17</a:t>
+              <a:t>5/17/17</a:t>
             </a:fld>
             <a:endParaRPr lang="en-US" sz="900" dirty="0" smtClean="0">
               <a:solidFill>
@@ -10251,9 +10282,10 @@
           </a:p>
           <a:p>
             <a:r>
-              <a:rPr lang="en-US" dirty="0"/>
-              <a:t>Multiple Frameworks run within the cluster</a:t>
-            </a:r>
+              <a:rPr lang="en-US" dirty="0" smtClean="0"/>
+              <a:t>Framework tightly coupled to Application</a:t>
+            </a:r>
+            <a:endParaRPr lang="en-US" dirty="0"/>
           </a:p>
           <a:p>
             <a:pPr marL="0" indent="0">
@@ -11090,7 +11122,7 @@
           <a:p>
             <a:r>
               <a:rPr lang="en-US" dirty="0" smtClean="0"/>
-              <a:t>Framework installs and configures Storage Platform on all Scheduler’s compute nodes</a:t>
+              <a:t>Framework installs and configures Storage Platform on all Mesos Agent nodes</a:t>
             </a:r>
           </a:p>
         </p:txBody>
@@ -11605,19 +11637,7 @@
           <a:p>
             <a:r>
               <a:rPr lang="en-US" smtClean="0"/>
-              <a:t>Top </a:t>
-            </a:r>
-            <a:r>
-              <a:rPr lang="en-US" smtClean="0"/>
-              <a:t>10 </a:t>
-            </a:r>
-            <a:r>
-              <a:rPr lang="en-US" smtClean="0"/>
-              <a:t>of </a:t>
-            </a:r>
-            <a:r>
-              <a:rPr lang="en-US" smtClean="0"/>
-              <a:t>20 Apps </a:t>
+              <a:t>Top 10 of 20 Apps </a:t>
             </a:r>
             <a:r>
               <a:rPr lang="en-US" dirty="0" smtClean="0"/>
@@ -13078,8 +13098,13 @@
           <a:p>
             <a:r>
               <a:rPr lang="en-US" dirty="0" smtClean="0"/>
-              <a:t>Cloud is perfect to enable DevOps</a:t>
-            </a:r>
+              <a:t>DevOps and </a:t>
+            </a:r>
+            <a:r>
+              <a:rPr lang="en-US" smtClean="0"/>
+              <a:t>the Cloud go hand in hand</a:t>
+            </a:r>
+            <a:endParaRPr lang="en-US" dirty="0" smtClean="0"/>
           </a:p>
           <a:p>
             <a:r>

--- a/2017_APACHECON_US/ConSchedAndSbSChangeCloud.pptx
+++ b/2017_APACHECON_US/ConSchedAndSbSChangeCloud.pptx
@@ -1284,15 +1284,7 @@
           <a:p>
             <a:r>
               <a:rPr lang="en-US" baseline="0" dirty="0" smtClean="0"/>
-              <a:t>Meaning </a:t>
-            </a:r>
-            <a:r>
-              <a:rPr lang="en-US" baseline="0" dirty="0" smtClean="0"/>
-              <a:t>you can install this </a:t>
-            </a:r>
-            <a:r>
-              <a:rPr lang="en-US" baseline="0" dirty="0" smtClean="0"/>
-              <a:t>anywhere.</a:t>
+              <a:t>Meaning you can install this anywhere.</a:t>
             </a:r>
           </a:p>
           <a:p>
@@ -7920,7 +7912,7 @@
                   <a:schemeClr val="bg1"/>
                 </a:buClr>
               </a:pPr>
-              <a:t>5/17/17</a:t>
+              <a:t>6/7/17</a:t>
             </a:fld>
             <a:endParaRPr lang="en-US" sz="900" dirty="0" smtClean="0">
               <a:solidFill>
@@ -7994,7 +7986,7 @@
                   <a:schemeClr val="bg1"/>
                 </a:buClr>
               </a:pPr>
-              <a:t>5/17/17</a:t>
+              <a:t>6/7/17</a:t>
             </a:fld>
             <a:endParaRPr lang="en-US" sz="900" dirty="0" smtClean="0">
               <a:solidFill>
@@ -11023,8 +11015,8 @@
         </p:blipFill>
         <p:spPr>
           <a:xfrm>
-            <a:off x="4114526" y="1799021"/>
-            <a:ext cx="3810000" cy="1231900"/>
+            <a:off x="4114526" y="1956422"/>
+            <a:ext cx="3810000" cy="917097"/>
           </a:xfrm>
           <a:prstGeom prst="rect">
             <a:avLst/>
